--- a/hudobna/sucasna-vazna-hudba/prezentazia.pptx
+++ b/hudobna/sucasna-vazna-hudba/prezentazia.pptx
@@ -1878,7 +1878,7 @@
           </a:bodyPr>
           <a:p>
             <a:pPr algn="r"/>
-            <a:fld id="{B92DE3D5-EFC9-4753-B53A-0952BAC1C271}" type="slidenum">
+            <a:fld id="{A8A4E462-80DA-4E15-9903-233DC156FF8B}" type="slidenum">
               <a:rPr b="0" lang="en-US" sz="1400" spc="-1" strike="noStrike">
                 <a:latin typeface="Times New Roman"/>
               </a:rPr>
